--- a/INFOC450_WMS_Presentation.pptx
+++ b/INFOC450_WMS_Presentation.pptx
@@ -8334,7 +8334,7 @@
             </a:pPr>
             <a:r>
               <a:rPr lang="en"/>
-              <a:t>employees will scan items into cartons, associating them with that carton</a:t>
+              <a:t>employees will pack items into cartons associating them with that carton</a:t>
             </a:r>
             <a:endParaRPr/>
           </a:p>
@@ -8368,7 +8368,7 @@
             </a:pPr>
             <a:r>
               <a:rPr lang="en"/>
-              <a:t>can create, remove, and update users</a:t>
+              <a:t>can create new users</a:t>
             </a:r>
             <a:endParaRPr/>
           </a:p>
@@ -8385,7 +8385,7 @@
             </a:pPr>
             <a:r>
               <a:rPr lang="en"/>
-              <a:t>can manage inventory by manually updating the database</a:t>
+              <a:t>can generate new orders (simulating pulling order from a server)</a:t>
             </a:r>
             <a:endParaRPr/>
           </a:p>
@@ -8556,7 +8556,7 @@
             </a:pPr>
             <a:r>
               <a:rPr lang="en"/>
-              <a:t>Completion of shipping functions and testing</a:t>
+              <a:t>Implement better data validation throughout application</a:t>
             </a:r>
             <a:endParaRPr/>
           </a:p>
@@ -8573,7 +8573,7 @@
             </a:pPr>
             <a:r>
               <a:rPr lang="en"/>
-              <a:t>Implementation of Flask to build functional UI</a:t>
+              <a:t>Implement inventory adjustment functionality for administrators</a:t>
             </a:r>
             <a:endParaRPr/>
           </a:p>
@@ -8590,75 +8590,7 @@
             </a:pPr>
             <a:r>
               <a:rPr lang="en"/>
-              <a:t>Addition of login functions</a:t>
-            </a:r>
-            <a:endParaRPr/>
-          </a:p>
-          <a:p>
-            <a:pPr indent="-317500" lvl="1" marL="914400" rtl="0" algn="l">
-              <a:spcBef>
-                <a:spcPts val="0"/>
-              </a:spcBef>
-              <a:spcAft>
-                <a:spcPts val="0"/>
-              </a:spcAft>
-              <a:buSzPts val="1400"/>
-              <a:buChar char="○"/>
-            </a:pPr>
-            <a:r>
-              <a:rPr lang="en"/>
-              <a:t>including validation of role and variable screens based on role</a:t>
-            </a:r>
-            <a:endParaRPr/>
-          </a:p>
-          <a:p>
-            <a:pPr indent="-342900" lvl="0" marL="457200" rtl="0" algn="l">
-              <a:spcBef>
-                <a:spcPts val="0"/>
-              </a:spcBef>
-              <a:spcAft>
-                <a:spcPts val="0"/>
-              </a:spcAft>
-              <a:buSzPts val="1800"/>
-              <a:buChar char="●"/>
-            </a:pPr>
-            <a:r>
-              <a:rPr lang="en"/>
-              <a:t>Implement admin functions</a:t>
-            </a:r>
-            <a:endParaRPr/>
-          </a:p>
-          <a:p>
-            <a:pPr indent="-317500" lvl="1" marL="914400" rtl="0" algn="l">
-              <a:spcBef>
-                <a:spcPts val="0"/>
-              </a:spcBef>
-              <a:spcAft>
-                <a:spcPts val="0"/>
-              </a:spcAft>
-              <a:buSzPts val="1400"/>
-              <a:buChar char="○"/>
-            </a:pPr>
-            <a:r>
-              <a:rPr lang="en"/>
-              <a:t>manage users</a:t>
-            </a:r>
-            <a:endParaRPr/>
-          </a:p>
-          <a:p>
-            <a:pPr indent="-317500" lvl="1" marL="914400" rtl="0" algn="l">
-              <a:spcBef>
-                <a:spcPts val="0"/>
-              </a:spcBef>
-              <a:spcAft>
-                <a:spcPts val="0"/>
-              </a:spcAft>
-              <a:buSzPts val="1400"/>
-              <a:buChar char="○"/>
-            </a:pPr>
-            <a:r>
-              <a:rPr lang="en"/>
-              <a:t>manage inventory</a:t>
+              <a:t>Create better documentation for readability throughout</a:t>
             </a:r>
             <a:endParaRPr/>
           </a:p>
